--- a/Meetings/2019-08-16 ARM UTRC 18-01-F03.pptx
+++ b/Meetings/2019-08-16 ARM UTRC 18-01-F03.pptx
@@ -7951,7 +7951,7 @@
         <p:spPr>
           <a:xfrm>
             <a:off x="224416" y="725759"/>
-            <a:ext cx="8747306" cy="2964914"/>
+            <a:ext cx="8747306" cy="3836948"/>
           </a:xfrm>
           <a:prstGeom prst="rect">
             <a:avLst/>
@@ -8000,10 +8000,13 @@
               </a:rPr>
               <a:t>Testbed update </a:t>
             </a:r>
-            <a:endParaRPr lang="en-US" sz="2000" dirty="0">
-              <a:latin typeface="Calibri" panose="020F0502020204030204" pitchFamily="34" charset="0"/>
-              <a:cs typeface="Calibri" panose="020F0502020204030204" pitchFamily="34" charset="0"/>
-            </a:endParaRPr>
+            <a:r>
+              <a:rPr lang="en-US" sz="2000" dirty="0">
+                <a:latin typeface="Calibri" panose="020F0502020204030204" pitchFamily="34" charset="0"/>
+                <a:cs typeface="Calibri" panose="020F0502020204030204" pitchFamily="34" charset="0"/>
+              </a:rPr>
+              <a:t>: Mike will send Glenn used rollers </a:t>
+            </a:r>
           </a:p>
           <a:p>
             <a:pPr marL="169863" lvl="1" indent="-169863">
@@ -8089,6 +8092,53 @@
                 <a:cs typeface="Calibri" panose="020F0502020204030204" pitchFamily="34" charset="0"/>
               </a:rPr>
               <a:t>Cognibotics</a:t>
+            </a:r>
+            <a:r>
+              <a:rPr lang="en-US" sz="2000" dirty="0">
+                <a:latin typeface="Calibri" panose="020F0502020204030204" pitchFamily="34" charset="0"/>
+                <a:cs typeface="Calibri" panose="020F0502020204030204" pitchFamily="34" charset="0"/>
+              </a:rPr>
+              <a:t>: 11am on Monday (same </a:t>
+            </a:r>
+            <a:r>
+              <a:rPr lang="en-US" sz="2000" dirty="0" err="1">
+                <a:latin typeface="Calibri" panose="020F0502020204030204" pitchFamily="34" charset="0"/>
+                <a:cs typeface="Calibri" panose="020F0502020204030204" pitchFamily="34" charset="0"/>
+              </a:rPr>
+              <a:t>gotomeeting</a:t>
+            </a:r>
+            <a:r>
+              <a:rPr lang="en-US" sz="2000" dirty="0">
+                <a:latin typeface="Calibri" panose="020F0502020204030204" pitchFamily="34" charset="0"/>
+                <a:cs typeface="Calibri" panose="020F0502020204030204" pitchFamily="34" charset="0"/>
+              </a:rPr>
+              <a:t> number)</a:t>
+            </a:r>
+          </a:p>
+          <a:p>
+            <a:pPr marL="169863" lvl="1" indent="-169863">
+              <a:spcBef>
+                <a:spcPts val="2000"/>
+              </a:spcBef>
+              <a:buClr>
+                <a:srgbClr val="DB091C"/>
+              </a:buClr>
+              <a:buFont typeface="Wingdings" panose="05000000000000000000" pitchFamily="2" charset="2"/>
+              <a:buChar char="§"/>
+            </a:pPr>
+            <a:r>
+              <a:rPr lang="en-US" sz="2000" dirty="0">
+                <a:latin typeface="Calibri" panose="020F0502020204030204" pitchFamily="34" charset="0"/>
+                <a:cs typeface="Calibri" panose="020F0502020204030204" pitchFamily="34" charset="0"/>
+              </a:rPr>
+              <a:t>Cara meeting next Thursday (john not available)?  Ask for NCE!!! We can try to make </a:t>
+            </a:r>
+            <a:r>
+              <a:rPr lang="en-US" sz="2000">
+                <a:latin typeface="Calibri" panose="020F0502020204030204" pitchFamily="34" charset="0"/>
+                <a:cs typeface="Calibri" panose="020F0502020204030204" pitchFamily="34" charset="0"/>
+              </a:rPr>
+              <a:t>up ground. </a:t>
             </a:r>
             <a:endParaRPr lang="en-US" sz="2000" dirty="0">
               <a:latin typeface="Calibri" panose="020F0502020204030204" pitchFamily="34" charset="0"/>
@@ -8371,7 +8421,7 @@
         <p:spPr>
           <a:xfrm>
             <a:off x="224416" y="725759"/>
-            <a:ext cx="8747306" cy="1528624"/>
+            <a:ext cx="8747306" cy="2990562"/>
           </a:xfrm>
           <a:prstGeom prst="rect">
             <a:avLst/>
@@ -8385,7 +8435,7 @@
           <a:p>
             <a:pPr marL="169863" lvl="1" indent="-169863">
               <a:spcBef>
-                <a:spcPts val="2000"/>
+                <a:spcPts val="200"/>
               </a:spcBef>
               <a:buClr>
                 <a:srgbClr val="DB091C"/>
@@ -8398,13 +8448,13 @@
                 <a:latin typeface="Calibri" panose="020F0502020204030204" pitchFamily="34" charset="0"/>
                 <a:cs typeface="Calibri" panose="020F0502020204030204" pitchFamily="34" charset="0"/>
               </a:rPr>
-              <a:t>Testbed</a:t>
-            </a:r>
-          </a:p>
-          <a:p>
-            <a:pPr marL="169863" lvl="1" indent="-169863">
+              <a:t>Software</a:t>
+            </a:r>
+          </a:p>
+          <a:p>
+            <a:pPr marL="627063" lvl="2" indent="-169863">
               <a:spcBef>
-                <a:spcPts val="2000"/>
+                <a:spcPts val="200"/>
               </a:spcBef>
               <a:buClr>
                 <a:srgbClr val="DB091C"/>
@@ -8417,13 +8467,70 @@
                 <a:latin typeface="Calibri" panose="020F0502020204030204" pitchFamily="34" charset="0"/>
                 <a:cs typeface="Calibri" panose="020F0502020204030204" pitchFamily="34" charset="0"/>
               </a:rPr>
-              <a:t>FEM</a:t>
+              <a:t>William will look at ROS-EGM and compare with RPI version.  Contribute our version to the ROS repository.</a:t>
             </a:r>
           </a:p>
           <a:p>
             <a:pPr marL="169863" lvl="1" indent="-169863">
               <a:spcBef>
-                <a:spcPts val="2000"/>
+                <a:spcPts val="200"/>
+              </a:spcBef>
+              <a:buClr>
+                <a:srgbClr val="DB091C"/>
+              </a:buClr>
+              <a:buFont typeface="Wingdings" panose="05000000000000000000" pitchFamily="2" charset="2"/>
+              <a:buChar char="§"/>
+            </a:pPr>
+            <a:r>
+              <a:rPr lang="en-US" sz="2000" dirty="0">
+                <a:latin typeface="Calibri" panose="020F0502020204030204" pitchFamily="34" charset="0"/>
+                <a:cs typeface="Calibri" panose="020F0502020204030204" pitchFamily="34" charset="0"/>
+              </a:rPr>
+              <a:t>Testbed</a:t>
+            </a:r>
+          </a:p>
+          <a:p>
+            <a:pPr marL="169863" lvl="1" indent="-169863">
+              <a:spcBef>
+                <a:spcPts val="200"/>
+              </a:spcBef>
+              <a:buClr>
+                <a:srgbClr val="DB091C"/>
+              </a:buClr>
+              <a:buFont typeface="Wingdings" panose="05000000000000000000" pitchFamily="2" charset="2"/>
+              <a:buChar char="§"/>
+            </a:pPr>
+            <a:r>
+              <a:rPr lang="en-US" sz="2000" dirty="0">
+                <a:latin typeface="Calibri" panose="020F0502020204030204" pitchFamily="34" charset="0"/>
+                <a:cs typeface="Calibri" panose="020F0502020204030204" pitchFamily="34" charset="0"/>
+              </a:rPr>
+              <a:t>FEM: </a:t>
+            </a:r>
+          </a:p>
+          <a:p>
+            <a:pPr marL="627063" lvl="2" indent="-169863">
+              <a:spcBef>
+                <a:spcPts val="200"/>
+              </a:spcBef>
+              <a:buClr>
+                <a:srgbClr val="DB091C"/>
+              </a:buClr>
+              <a:buFont typeface="Wingdings" panose="05000000000000000000" pitchFamily="2" charset="2"/>
+              <a:buChar char="§"/>
+            </a:pPr>
+            <a:r>
+              <a:rPr lang="en-US" sz="2000" dirty="0">
+                <a:latin typeface="Calibri" panose="020F0502020204030204" pitchFamily="34" charset="0"/>
+                <a:cs typeface="Calibri" panose="020F0502020204030204" pitchFamily="34" charset="0"/>
+              </a:rPr>
+              <a:t>UTRC will provide time history of force and deformation (high/med/low, 9 runs, rolling force, penetration, residue stress, will take about a week - expect in 2 weeks).  Ultimate goal: build an empirical model. </a:t>
+            </a:r>
+          </a:p>
+          <a:p>
+            <a:pPr marL="169863" lvl="1" indent="-169863">
+              <a:spcBef>
+                <a:spcPts val="200"/>
               </a:spcBef>
               <a:buClr>
                 <a:srgbClr val="DB091C"/>
